--- a/Project 1 Presentation - 1745/Crime Analysis 1745.pptx
+++ b/Project 1 Presentation - 1745/Crime Analysis 1745.pptx
@@ -9,18 +9,18 @@
     <p:sldId id="257" r:id="rId3"/>
     <p:sldId id="258" r:id="rId4"/>
     <p:sldId id="269" r:id="rId5"/>
-    <p:sldId id="275" r:id="rId6"/>
-    <p:sldId id="270" r:id="rId7"/>
-    <p:sldId id="260" r:id="rId8"/>
-    <p:sldId id="262" r:id="rId9"/>
-    <p:sldId id="266" r:id="rId10"/>
-    <p:sldId id="267" r:id="rId11"/>
-    <p:sldId id="272" r:id="rId12"/>
-    <p:sldId id="268" r:id="rId13"/>
-    <p:sldId id="273" r:id="rId14"/>
-    <p:sldId id="259" r:id="rId15"/>
-    <p:sldId id="271" r:id="rId16"/>
-    <p:sldId id="274" r:id="rId17"/>
+    <p:sldId id="276" r:id="rId6"/>
+    <p:sldId id="275" r:id="rId7"/>
+    <p:sldId id="270" r:id="rId8"/>
+    <p:sldId id="260" r:id="rId9"/>
+    <p:sldId id="262" r:id="rId10"/>
+    <p:sldId id="266" r:id="rId11"/>
+    <p:sldId id="267" r:id="rId12"/>
+    <p:sldId id="272" r:id="rId13"/>
+    <p:sldId id="268" r:id="rId14"/>
+    <p:sldId id="273" r:id="rId15"/>
+    <p:sldId id="259" r:id="rId16"/>
+    <p:sldId id="271" r:id="rId17"/>
   </p:sldIdLst>
   <p:sldSz cx="12192000" cy="6858000"/>
   <p:notesSz cx="6858000" cy="9144000"/>
@@ -3933,13 +3933,8 @@
           <a:p>
             <a:r>
               <a:rPr lang="en-US" i="1" dirty="0"/>
-              <a:t>Karishma, Shikha</a:t>
-            </a:r>
-            <a:r>
-              <a:rPr lang="en-US" i="1"/>
-              <a:t>, Thom</a:t>
-            </a:r>
-            <a:endParaRPr lang="en-US" i="1" dirty="0"/>
+              <a:t>Karishma, Shikha, Thom</a:t>
+            </a:r>
           </a:p>
         </p:txBody>
       </p:sp>
@@ -3996,7 +3991,7 @@
           <a:p>
             <a:r>
               <a:rPr lang="en-US" b="1" u="sng" dirty="0"/>
-              <a:t>New York Crime: Common Crimes</a:t>
+              <a:t>New York Crime: By Time of Day</a:t>
             </a:r>
             <a:endParaRPr lang="en-US" dirty="0"/>
           </a:p>
@@ -4026,48 +4021,37 @@
         </p:spPr>
         <p:txBody>
           <a:bodyPr>
-            <a:normAutofit lnSpcReduction="10000"/>
+            <a:normAutofit/>
           </a:bodyPr>
           <a:lstStyle/>
           <a:p>
             <a:r>
               <a:rPr lang="en-US" dirty="0"/>
-              <a:t>We did see differences in the types of crime most likely to occur in each borough:</a:t>
+              <a:t>When evaluating crime against the time of day committed, we again did not see a major difference from borough to borough, though we were able to see some trends:</a:t>
             </a:r>
           </a:p>
           <a:p>
             <a:pPr lvl="1"/>
             <a:r>
               <a:rPr lang="en-US" dirty="0"/>
-              <a:t>Larceny (theft) is common across all boroughs, as is harassment</a:t>
+              <a:t>More crime occurs during the daytime across all boroughs</a:t>
             </a:r>
           </a:p>
           <a:p>
             <a:pPr lvl="1"/>
             <a:r>
               <a:rPr lang="en-US" dirty="0"/>
-              <a:t>Violent crime is more likely to occur in larger numbers in The Bronx and Brooklyn</a:t>
-            </a:r>
-          </a:p>
-          <a:p>
-            <a:pPr lvl="1"/>
-            <a:r>
-              <a:rPr lang="en-US" dirty="0"/>
-              <a:t>Criminal mischief (vandalism) is more likely to occur in Manhattan, Queens, and Staten Island</a:t>
-            </a:r>
-          </a:p>
-          <a:p>
-            <a:pPr lvl="1"/>
-            <a:endParaRPr lang="en-US" dirty="0"/>
+              <a:t>Crime is least likely to occur late at night, potentially due to less potential victims being out and about, even in the city that never sleeps</a:t>
+            </a:r>
           </a:p>
         </p:txBody>
       </p:sp>
       <p:pic>
         <p:nvPicPr>
-          <p:cNvPr id="6" name="Picture 5">
+          <p:cNvPr id="5" name="Picture 4">
             <a:extLst>
               <a:ext uri="{FF2B5EF4-FFF2-40B4-BE49-F238E27FC236}">
-                <a16:creationId xmlns:a16="http://schemas.microsoft.com/office/drawing/2014/main" id="{A03D7CBE-2230-FC4B-B3D2-61EE14DB28FD}"/>
+                <a16:creationId xmlns:a16="http://schemas.microsoft.com/office/drawing/2014/main" id="{C543D94F-DD31-BE4E-BFB5-73E230AA9EE1}"/>
               </a:ext>
             </a:extLst>
           </p:cNvPr>
@@ -4084,8 +4068,8 @@
         </p:blipFill>
         <p:spPr>
           <a:xfrm>
-            <a:off x="3272884" y="1428750"/>
-            <a:ext cx="6286302" cy="3496818"/>
+            <a:off x="2996395" y="1428750"/>
+            <a:ext cx="6351609" cy="3499866"/>
           </a:xfrm>
           <a:prstGeom prst="rect">
             <a:avLst/>
@@ -4095,7 +4079,7 @@
     </p:spTree>
     <p:extLst>
       <p:ext uri="{BB962C8B-B14F-4D97-AF65-F5344CB8AC3E}">
-        <p14:creationId xmlns:p14="http://schemas.microsoft.com/office/powerpoint/2010/main" val="3099732348"/>
+        <p14:creationId xmlns:p14="http://schemas.microsoft.com/office/powerpoint/2010/main" val="85816919"/>
       </p:ext>
     </p:extLst>
   </p:cSld>
@@ -4145,7 +4129,7 @@
           <a:p>
             <a:r>
               <a:rPr lang="en-US" b="1" u="sng" dirty="0"/>
-              <a:t>New York Crime: Premise vs. Crime</a:t>
+              <a:t>New York Crime: Common Crimes</a:t>
             </a:r>
             <a:endParaRPr lang="en-US" dirty="0"/>
           </a:p>
@@ -4169,20 +4153,45 @@
         </p:nvSpPr>
         <p:spPr>
           <a:xfrm>
-            <a:off x="1371600" y="5364480"/>
-            <a:ext cx="9601200" cy="1377696"/>
+            <a:off x="1371600" y="5010912"/>
+            <a:ext cx="9601200" cy="1731264"/>
           </a:xfrm>
         </p:spPr>
         <p:txBody>
           <a:bodyPr>
-            <a:normAutofit/>
+            <a:normAutofit lnSpcReduction="10000"/>
           </a:bodyPr>
           <a:lstStyle/>
           <a:p>
             <a:r>
               <a:rPr lang="en-US" dirty="0"/>
-              <a:t>Just like in the Los Angeles Data, the single highest total occurred outside on the street, but if we add all the housing types listed we see that it’s more likely that crime happens in a private home than any other area.</a:t>
-            </a:r>
+              <a:t>We did see differences in the types of crime most likely to occur in each borough:</a:t>
+            </a:r>
+          </a:p>
+          <a:p>
+            <a:pPr lvl="1"/>
+            <a:r>
+              <a:rPr lang="en-US" dirty="0"/>
+              <a:t>Larceny (theft) is common across all boroughs, as is harassment</a:t>
+            </a:r>
+          </a:p>
+          <a:p>
+            <a:pPr lvl="1"/>
+            <a:r>
+              <a:rPr lang="en-US" dirty="0"/>
+              <a:t>Violent crime is more likely to occur in larger numbers in The Bronx and Brooklyn</a:t>
+            </a:r>
+          </a:p>
+          <a:p>
+            <a:pPr lvl="1"/>
+            <a:r>
+              <a:rPr lang="en-US" dirty="0"/>
+              <a:t>Criminal mischief (vandalism) is more likely to occur in Manhattan, Queens, and Staten Island</a:t>
+            </a:r>
+          </a:p>
+          <a:p>
+            <a:pPr lvl="1"/>
+            <a:endParaRPr lang="en-US" dirty="0"/>
           </a:p>
         </p:txBody>
       </p:sp>
@@ -4191,7 +4200,7 @@
           <p:cNvPr id="6" name="Picture 5">
             <a:extLst>
               <a:ext uri="{FF2B5EF4-FFF2-40B4-BE49-F238E27FC236}">
-                <a16:creationId xmlns:a16="http://schemas.microsoft.com/office/drawing/2014/main" id="{277157EA-EA11-B645-B760-37AED9EEE4A9}"/>
+                <a16:creationId xmlns:a16="http://schemas.microsoft.com/office/drawing/2014/main" id="{A03D7CBE-2230-FC4B-B3D2-61EE14DB28FD}"/>
               </a:ext>
             </a:extLst>
           </p:cNvPr>
@@ -4208,8 +4217,8 @@
         </p:blipFill>
         <p:spPr>
           <a:xfrm>
-            <a:off x="4394026" y="1406656"/>
-            <a:ext cx="3559290" cy="3653860"/>
+            <a:off x="3272884" y="1428750"/>
+            <a:ext cx="6286302" cy="3496818"/>
           </a:xfrm>
           <a:prstGeom prst="rect">
             <a:avLst/>
@@ -4219,7 +4228,7 @@
     </p:spTree>
     <p:extLst>
       <p:ext uri="{BB962C8B-B14F-4D97-AF65-F5344CB8AC3E}">
-        <p14:creationId xmlns:p14="http://schemas.microsoft.com/office/powerpoint/2010/main" val="969747450"/>
+        <p14:creationId xmlns:p14="http://schemas.microsoft.com/office/powerpoint/2010/main" val="3099732348"/>
       </p:ext>
     </p:extLst>
   </p:cSld>
@@ -4269,7 +4278,7 @@
           <a:p>
             <a:r>
               <a:rPr lang="en-US" b="1" u="sng" dirty="0"/>
-              <a:t>New York Crime: By Season</a:t>
+              <a:t>New York Crime: Premise vs. Crime</a:t>
             </a:r>
             <a:endParaRPr lang="en-US" dirty="0"/>
           </a:p>
@@ -4305,17 +4314,17 @@
           <a:p>
             <a:r>
               <a:rPr lang="en-US" dirty="0"/>
-              <a:t>Crime is relatively consistent year-round, though there is a small uptick in crime in the Summer and Fall.</a:t>
+              <a:t>Just like in the Los Angeles Data, the single highest total occurred outside on the street, but if we add all the housing types listed we see that it’s more likely that crime happens in a private home than any other area.</a:t>
             </a:r>
           </a:p>
         </p:txBody>
       </p:sp>
       <p:pic>
         <p:nvPicPr>
-          <p:cNvPr id="5" name="Picture 4">
+          <p:cNvPr id="6" name="Picture 5">
             <a:extLst>
               <a:ext uri="{FF2B5EF4-FFF2-40B4-BE49-F238E27FC236}">
-                <a16:creationId xmlns:a16="http://schemas.microsoft.com/office/drawing/2014/main" id="{B6E38F78-A349-8F4E-85B8-869D6D4E83BB}"/>
+                <a16:creationId xmlns:a16="http://schemas.microsoft.com/office/drawing/2014/main" id="{277157EA-EA11-B645-B760-37AED9EEE4A9}"/>
               </a:ext>
             </a:extLst>
           </p:cNvPr>
@@ -4332,8 +4341,8 @@
         </p:blipFill>
         <p:spPr>
           <a:xfrm>
-            <a:off x="3479800" y="1525524"/>
-            <a:ext cx="5384800" cy="3733800"/>
+            <a:off x="4394026" y="1406656"/>
+            <a:ext cx="3559290" cy="3653860"/>
           </a:xfrm>
           <a:prstGeom prst="rect">
             <a:avLst/>
@@ -4343,7 +4352,7 @@
     </p:spTree>
     <p:extLst>
       <p:ext uri="{BB962C8B-B14F-4D97-AF65-F5344CB8AC3E}">
-        <p14:creationId xmlns:p14="http://schemas.microsoft.com/office/powerpoint/2010/main" val="712519766"/>
+        <p14:creationId xmlns:p14="http://schemas.microsoft.com/office/powerpoint/2010/main" val="969747450"/>
       </p:ext>
     </p:extLst>
   </p:cSld>
@@ -4393,7 +4402,7 @@
           <a:p>
             <a:r>
               <a:rPr lang="en-US" b="1" u="sng" dirty="0"/>
-              <a:t>New York Crime: Trends by Area</a:t>
+              <a:t>New York Crime: By Season</a:t>
             </a:r>
             <a:endParaRPr lang="en-US" dirty="0"/>
           </a:p>
@@ -4429,7 +4438,7 @@
           <a:p>
             <a:r>
               <a:rPr lang="en-US" dirty="0"/>
-              <a:t>Overall, changes in the amount of crime reported has been close to consistent across all boroughs.</a:t>
+              <a:t>Crime is relatively consistent year-round, though there is a small uptick in crime in the Summer and Fall.</a:t>
             </a:r>
           </a:p>
         </p:txBody>
@@ -4439,7 +4448,7 @@
           <p:cNvPr id="5" name="Picture 4">
             <a:extLst>
               <a:ext uri="{FF2B5EF4-FFF2-40B4-BE49-F238E27FC236}">
-                <a16:creationId xmlns:a16="http://schemas.microsoft.com/office/drawing/2014/main" id="{AD13FEB5-3831-9649-A813-FBB41F482584}"/>
+                <a16:creationId xmlns:a16="http://schemas.microsoft.com/office/drawing/2014/main" id="{B6E38F78-A349-8F4E-85B8-869D6D4E83BB}"/>
               </a:ext>
             </a:extLst>
           </p:cNvPr>
@@ -4456,8 +4465,8 @@
         </p:blipFill>
         <p:spPr>
           <a:xfrm>
-            <a:off x="3543300" y="1524522"/>
-            <a:ext cx="5257800" cy="3733800"/>
+            <a:off x="3479800" y="1525524"/>
+            <a:ext cx="5384800" cy="3733800"/>
           </a:xfrm>
           <a:prstGeom prst="rect">
             <a:avLst/>
@@ -4467,7 +4476,7 @@
     </p:spTree>
     <p:extLst>
       <p:ext uri="{BB962C8B-B14F-4D97-AF65-F5344CB8AC3E}">
-        <p14:creationId xmlns:p14="http://schemas.microsoft.com/office/powerpoint/2010/main" val="510469602"/>
+        <p14:creationId xmlns:p14="http://schemas.microsoft.com/office/powerpoint/2010/main" val="712519766"/>
       </p:ext>
     </p:extLst>
   </p:cSld>
@@ -4499,7 +4508,7 @@
           <p:cNvPr id="2" name="Title 1">
             <a:extLst>
               <a:ext uri="{FF2B5EF4-FFF2-40B4-BE49-F238E27FC236}">
-                <a16:creationId xmlns:a16="http://schemas.microsoft.com/office/drawing/2014/main" id="{6F444058-4157-4BBE-8B8B-997C96C61AA0}"/>
+                <a16:creationId xmlns:a16="http://schemas.microsoft.com/office/drawing/2014/main" id="{B9D8A619-BBCD-415E-A844-81BE6CBDAA83}"/>
               </a:ext>
             </a:extLst>
           </p:cNvPr>
@@ -4517,8 +4526,9 @@
           <a:p>
             <a:r>
               <a:rPr lang="en-US" b="1" u="sng" dirty="0"/>
-              <a:t>Additional Learnings (Or: If We Knew Then What We Know Now)</a:t>
-            </a:r>
+              <a:t>New York Crime: Trends by Area</a:t>
+            </a:r>
+            <a:endParaRPr lang="en-US" dirty="0"/>
           </a:p>
         </p:txBody>
       </p:sp>
@@ -4527,7 +4537,7 @@
           <p:cNvPr id="3" name="Content Placeholder 2">
             <a:extLst>
               <a:ext uri="{FF2B5EF4-FFF2-40B4-BE49-F238E27FC236}">
-                <a16:creationId xmlns:a16="http://schemas.microsoft.com/office/drawing/2014/main" id="{5A3D95C4-24BA-409C-B3F3-B86DDBC57153}"/>
+                <a16:creationId xmlns:a16="http://schemas.microsoft.com/office/drawing/2014/main" id="{4FBD9A59-8256-4ADA-B48D-5E8A29A5C457}"/>
               </a:ext>
             </a:extLst>
           </p:cNvPr>
@@ -4538,42 +4548,59 @@
             <p:ph idx="1"/>
           </p:nvPr>
         </p:nvSpPr>
-        <p:spPr/>
-        <p:txBody>
-          <a:bodyPr/>
+        <p:spPr>
+          <a:xfrm>
+            <a:off x="1371600" y="5364480"/>
+            <a:ext cx="9601200" cy="1377696"/>
+          </a:xfrm>
+        </p:spPr>
+        <p:txBody>
+          <a:bodyPr>
+            <a:normAutofit/>
+          </a:bodyPr>
           <a:lstStyle/>
           <a:p>
             <a:r>
               <a:rPr lang="en-US" dirty="0"/>
-              <a:t>LARGE DATASETS: As the datasets were very large, using loop-based Python scripts may not have been the most efficient method for cleaning this data. </a:t>
-            </a:r>
-          </a:p>
-          <a:p>
-            <a:r>
-              <a:rPr lang="en-US" dirty="0"/>
-              <a:t>DISSIMALARITY OF DATASETS FOR EACH CITY: As there was no standard format maintained for type of crimes, date etc., cleaning the data to make fair comparisons involved a lot of time consuming data-cleaning and reclassification.</a:t>
-            </a:r>
-          </a:p>
-          <a:p>
-            <a:r>
-              <a:rPr lang="en-US" dirty="0"/>
-              <a:t>DIFFICULTY WITH API CALLS: To find out areas of crime, we tried to do API calls for </a:t>
-            </a:r>
-            <a:r>
-              <a:rPr lang="en-US" dirty="0" err="1"/>
-              <a:t>lat</a:t>
-            </a:r>
-            <a:r>
-              <a:rPr lang="en-US" dirty="0"/>
-              <a:t>-longs we had in our dataset, but quickly learned that it would not be possible to determine locations for a meaningful subset of our data using free tools, which had relatively low daily call limits.</a:t>
-            </a:r>
-          </a:p>
-        </p:txBody>
-      </p:sp>
+              <a:t>Overall, changes in the amount of crime reported has been close to consistent across all boroughs.</a:t>
+            </a:r>
+          </a:p>
+        </p:txBody>
+      </p:sp>
+      <p:pic>
+        <p:nvPicPr>
+          <p:cNvPr id="5" name="Picture 4">
+            <a:extLst>
+              <a:ext uri="{FF2B5EF4-FFF2-40B4-BE49-F238E27FC236}">
+                <a16:creationId xmlns:a16="http://schemas.microsoft.com/office/drawing/2014/main" id="{AD13FEB5-3831-9649-A813-FBB41F482584}"/>
+              </a:ext>
+            </a:extLst>
+          </p:cNvPr>
+          <p:cNvPicPr>
+            <a:picLocks noChangeAspect="1"/>
+          </p:cNvPicPr>
+          <p:nvPr/>
+        </p:nvPicPr>
+        <p:blipFill>
+          <a:blip r:embed="rId2"/>
+          <a:stretch>
+            <a:fillRect/>
+          </a:stretch>
+        </p:blipFill>
+        <p:spPr>
+          <a:xfrm>
+            <a:off x="3543300" y="1524522"/>
+            <a:ext cx="5257800" cy="3733800"/>
+          </a:xfrm>
+          <a:prstGeom prst="rect">
+            <a:avLst/>
+          </a:prstGeom>
+        </p:spPr>
+      </p:pic>
     </p:spTree>
     <p:extLst>
       <p:ext uri="{BB962C8B-B14F-4D97-AF65-F5344CB8AC3E}">
-        <p14:creationId xmlns:p14="http://schemas.microsoft.com/office/powerpoint/2010/main" val="4274982207"/>
+        <p14:creationId xmlns:p14="http://schemas.microsoft.com/office/powerpoint/2010/main" val="510469602"/>
       </p:ext>
     </p:extLst>
   </p:cSld>
@@ -4605,7 +4632,7 @@
           <p:cNvPr id="2" name="Title 1">
             <a:extLst>
               <a:ext uri="{FF2B5EF4-FFF2-40B4-BE49-F238E27FC236}">
-                <a16:creationId xmlns:a16="http://schemas.microsoft.com/office/drawing/2014/main" id="{93BCD98F-1239-41C4-A3A4-279554DC525B}"/>
+                <a16:creationId xmlns:a16="http://schemas.microsoft.com/office/drawing/2014/main" id="{6F444058-4157-4BBE-8B8B-997C96C61AA0}"/>
               </a:ext>
             </a:extLst>
           </p:cNvPr>
@@ -4613,7 +4640,7 @@
             <a:spLocks noGrp="1"/>
           </p:cNvSpPr>
           <p:nvPr>
-            <p:ph type="ctrTitle"/>
+            <p:ph type="title"/>
           </p:nvPr>
         </p:nvSpPr>
         <p:spPr/>
@@ -4622,18 +4649,18 @@
           <a:lstStyle/>
           <a:p>
             <a:r>
-              <a:rPr lang="en-US" dirty="0"/>
-              <a:t>Appendix</a:t>
-            </a:r>
-          </a:p>
-        </p:txBody>
-      </p:sp>
-      <p:sp>
-        <p:nvSpPr>
-          <p:cNvPr id="3" name="Subtitle 2">
+              <a:rPr lang="en-US" b="1" u="sng" dirty="0"/>
+              <a:t>Additional Learnings (Or: If We Knew Then What We Know Now)</a:t>
+            </a:r>
+          </a:p>
+        </p:txBody>
+      </p:sp>
+      <p:sp>
+        <p:nvSpPr>
+          <p:cNvPr id="3" name="Content Placeholder 2">
             <a:extLst>
               <a:ext uri="{FF2B5EF4-FFF2-40B4-BE49-F238E27FC236}">
-                <a16:creationId xmlns:a16="http://schemas.microsoft.com/office/drawing/2014/main" id="{5F91BAB2-5F13-4311-BF77-2AD20E344763}"/>
+                <a16:creationId xmlns:a16="http://schemas.microsoft.com/office/drawing/2014/main" id="{5A3D95C4-24BA-409C-B3F3-B86DDBC57153}"/>
               </a:ext>
             </a:extLst>
           </p:cNvPr>
@@ -4641,7 +4668,7 @@
             <a:spLocks noGrp="1"/>
           </p:cNvSpPr>
           <p:nvPr>
-            <p:ph type="subTitle" idx="1"/>
+            <p:ph idx="1"/>
           </p:nvPr>
         </p:nvSpPr>
         <p:spPr/>
@@ -4649,14 +4676,37 @@
           <a:bodyPr/>
           <a:lstStyle/>
           <a:p>
-            <a:endParaRPr lang="en-US" i="1" dirty="0"/>
+            <a:r>
+              <a:rPr lang="en-US" dirty="0"/>
+              <a:t>LARGE DATASETS: As the datasets were very large, using loop-based Python scripts may not have been the most efficient method for cleaning this data. </a:t>
+            </a:r>
+          </a:p>
+          <a:p>
+            <a:r>
+              <a:rPr lang="en-US" dirty="0"/>
+              <a:t>DISSIMALARITY OF DATASETS FOR EACH CITY: As there was no standard format maintained for type of crimes, date etc., cleaning the data to make fair comparisons involved a lot of time consuming data-cleaning and reclassification.</a:t>
+            </a:r>
+          </a:p>
+          <a:p>
+            <a:r>
+              <a:rPr lang="en-US" dirty="0"/>
+              <a:t>DIFFICULTY WITH API CALLS: To find out areas of crime, we tried to do API calls for </a:t>
+            </a:r>
+            <a:r>
+              <a:rPr lang="en-US" dirty="0" err="1"/>
+              <a:t>lat</a:t>
+            </a:r>
+            <a:r>
+              <a:rPr lang="en-US" dirty="0"/>
+              <a:t>-longs we had in our dataset, but quickly learned that it would not be possible to determine locations for a meaningful subset of our data using free tools, which had relatively low daily call limits.</a:t>
+            </a:r>
           </a:p>
         </p:txBody>
       </p:sp>
     </p:spTree>
     <p:extLst>
       <p:ext uri="{BB962C8B-B14F-4D97-AF65-F5344CB8AC3E}">
-        <p14:creationId xmlns:p14="http://schemas.microsoft.com/office/powerpoint/2010/main" val="1935915935"/>
+        <p14:creationId xmlns:p14="http://schemas.microsoft.com/office/powerpoint/2010/main" val="4274982207"/>
       </p:ext>
     </p:extLst>
   </p:cSld>
@@ -4688,7 +4738,7 @@
           <p:cNvPr id="2" name="Title 1">
             <a:extLst>
               <a:ext uri="{FF2B5EF4-FFF2-40B4-BE49-F238E27FC236}">
-                <a16:creationId xmlns:a16="http://schemas.microsoft.com/office/drawing/2014/main" id="{B9D8A619-BBCD-415E-A844-81BE6CBDAA83}"/>
+                <a16:creationId xmlns:a16="http://schemas.microsoft.com/office/drawing/2014/main" id="{93BCD98F-1239-41C4-A3A4-279554DC525B}"/>
               </a:ext>
             </a:extLst>
           </p:cNvPr>
@@ -4696,7 +4746,7 @@
             <a:spLocks noGrp="1"/>
           </p:cNvSpPr>
           <p:nvPr>
-            <p:ph type="title"/>
+            <p:ph type="ctrTitle"/>
           </p:nvPr>
         </p:nvSpPr>
         <p:spPr/>
@@ -4705,19 +4755,18 @@
           <a:lstStyle/>
           <a:p>
             <a:r>
-              <a:rPr lang="en-US" b="1" u="sng" dirty="0"/>
-              <a:t>Los Angeles: Arrest Status</a:t>
-            </a:r>
-            <a:endParaRPr lang="en-US" dirty="0"/>
-          </a:p>
-        </p:txBody>
-      </p:sp>
-      <p:sp>
-        <p:nvSpPr>
-          <p:cNvPr id="3" name="Content Placeholder 2">
+              <a:rPr lang="en-US" dirty="0"/>
+              <a:t>Q+A</a:t>
+            </a:r>
+          </a:p>
+        </p:txBody>
+      </p:sp>
+      <p:sp>
+        <p:nvSpPr>
+          <p:cNvPr id="3" name="Subtitle 2">
             <a:extLst>
               <a:ext uri="{FF2B5EF4-FFF2-40B4-BE49-F238E27FC236}">
-                <a16:creationId xmlns:a16="http://schemas.microsoft.com/office/drawing/2014/main" id="{4FBD9A59-8256-4ADA-B48D-5E8A29A5C457}"/>
+                <a16:creationId xmlns:a16="http://schemas.microsoft.com/office/drawing/2014/main" id="{5F91BAB2-5F13-4311-BF77-2AD20E344763}"/>
               </a:ext>
             </a:extLst>
           </p:cNvPr>
@@ -4725,62 +4774,22 @@
             <a:spLocks noGrp="1"/>
           </p:cNvSpPr>
           <p:nvPr>
-            <p:ph idx="1"/>
-          </p:nvPr>
-        </p:nvSpPr>
-        <p:spPr>
-          <a:xfrm>
-            <a:off x="1371600" y="5364480"/>
-            <a:ext cx="9601200" cy="1377696"/>
-          </a:xfrm>
-        </p:spPr>
-        <p:txBody>
-          <a:bodyPr>
-            <a:normAutofit/>
-          </a:bodyPr>
+            <p:ph type="subTitle" idx="1"/>
+          </p:nvPr>
+        </p:nvSpPr>
+        <p:spPr/>
+        <p:txBody>
+          <a:bodyPr/>
           <a:lstStyle/>
           <a:p>
-            <a:r>
-              <a:rPr lang="en-US" dirty="0"/>
-              <a:t>In most areas, most crimes go unsolved, or have investigations still in progress, which is common across many types of crime. The most interesting parts of the data are the areas where more crimes lead to arrests, like Devonshire.</a:t>
-            </a:r>
-          </a:p>
-        </p:txBody>
-      </p:sp>
-      <p:pic>
-        <p:nvPicPr>
-          <p:cNvPr id="5" name="Picture 4">
-            <a:extLst>
-              <a:ext uri="{FF2B5EF4-FFF2-40B4-BE49-F238E27FC236}">
-                <a16:creationId xmlns:a16="http://schemas.microsoft.com/office/drawing/2014/main" id="{45880F79-E7E9-AB45-BA93-CD4619F34B0A}"/>
-              </a:ext>
-            </a:extLst>
-          </p:cNvPr>
-          <p:cNvPicPr>
-            <a:picLocks noChangeAspect="1"/>
-          </p:cNvPicPr>
-          <p:nvPr/>
-        </p:nvPicPr>
-        <p:blipFill>
-          <a:blip r:embed="rId2"/>
-          <a:stretch>
-            <a:fillRect/>
-          </a:stretch>
-        </p:blipFill>
-        <p:spPr>
-          <a:xfrm>
-            <a:off x="2627770" y="1464588"/>
-            <a:ext cx="7079902" cy="3758744"/>
-          </a:xfrm>
-          <a:prstGeom prst="rect">
-            <a:avLst/>
-          </a:prstGeom>
-        </p:spPr>
-      </p:pic>
+            <a:endParaRPr lang="en-US" i="1" dirty="0"/>
+          </a:p>
+        </p:txBody>
+      </p:sp>
     </p:spTree>
     <p:extLst>
       <p:ext uri="{BB962C8B-B14F-4D97-AF65-F5344CB8AC3E}">
-        <p14:creationId xmlns:p14="http://schemas.microsoft.com/office/powerpoint/2010/main" val="2425543440"/>
+        <p14:creationId xmlns:p14="http://schemas.microsoft.com/office/powerpoint/2010/main" val="1935915935"/>
       </p:ext>
     </p:extLst>
   </p:cSld>
@@ -5215,7 +5224,7 @@
           <a:p>
             <a:r>
               <a:rPr lang="en-US" b="1" u="sng" dirty="0"/>
-              <a:t>Los Angeles: Premise vs. Crime</a:t>
+              <a:t>Los Angeles Crime: Totals by Area</a:t>
             </a:r>
             <a:endParaRPr lang="en-US" dirty="0"/>
           </a:p>
@@ -5239,8 +5248,8 @@
         </p:nvSpPr>
         <p:spPr>
           <a:xfrm>
-            <a:off x="1371600" y="5364480"/>
-            <a:ext cx="9601200" cy="1377696"/>
+            <a:off x="1371600" y="5010911"/>
+            <a:ext cx="9601200" cy="1303391"/>
           </a:xfrm>
         </p:spPr>
         <p:txBody>
@@ -5251,8 +5260,21 @@
           <a:p>
             <a:r>
               <a:rPr lang="en-US" dirty="0"/>
-              <a:t>More crimes occurred outside in the street than any other single location type, though overall crimes were more likely to occur inside residences if we combine all residence types</a:t>
-            </a:r>
+              <a:t>When evaluating the most prevalent crimes in each area of Los Angeles, we found that while there are some hotbeds for specific crimes, such as more violent crime in the 77</a:t>
+            </a:r>
+            <a:r>
+              <a:rPr lang="en-US" baseline="30000" dirty="0"/>
+              <a:t>th</a:t>
+            </a:r>
+            <a:r>
+              <a:rPr lang="en-US" dirty="0"/>
+              <a:t> Street area, nowhere is entirely immune to crime. Assault, general theft, vandalism, and domestic violence are the most common </a:t>
+            </a:r>
+            <a:r>
+              <a:rPr lang="en-US"/>
+              <a:t>crimes across Los Angeles.</a:t>
+            </a:r>
+            <a:endParaRPr lang="en-US" dirty="0"/>
           </a:p>
         </p:txBody>
       </p:sp>
@@ -5261,7 +5283,7 @@
           <p:cNvPr id="5" name="Picture 4">
             <a:extLst>
               <a:ext uri="{FF2B5EF4-FFF2-40B4-BE49-F238E27FC236}">
-                <a16:creationId xmlns:a16="http://schemas.microsoft.com/office/drawing/2014/main" id="{0D55746E-A154-684B-89DC-9221CB5C4475}"/>
+                <a16:creationId xmlns:a16="http://schemas.microsoft.com/office/drawing/2014/main" id="{0AB0A310-E5CF-B044-A1A8-B6E1F2C8CBFA}"/>
               </a:ext>
             </a:extLst>
           </p:cNvPr>
@@ -5278,8 +5300,8 @@
         </p:blipFill>
         <p:spPr>
           <a:xfrm>
-            <a:off x="4675327" y="1428750"/>
-            <a:ext cx="2993745" cy="3607496"/>
+            <a:off x="3138616" y="1403407"/>
+            <a:ext cx="6067168" cy="3607505"/>
           </a:xfrm>
           <a:prstGeom prst="rect">
             <a:avLst/>
@@ -5289,7 +5311,7 @@
     </p:spTree>
     <p:extLst>
       <p:ext uri="{BB962C8B-B14F-4D97-AF65-F5344CB8AC3E}">
-        <p14:creationId xmlns:p14="http://schemas.microsoft.com/office/powerpoint/2010/main" val="4082992686"/>
+        <p14:creationId xmlns:p14="http://schemas.microsoft.com/office/powerpoint/2010/main" val="2849867809"/>
       </p:ext>
     </p:extLst>
   </p:cSld>
@@ -5339,6 +5361,130 @@
           <a:p>
             <a:r>
               <a:rPr lang="en-US" b="1" u="sng" dirty="0"/>
+              <a:t>Los Angeles: Premise vs. Crime</a:t>
+            </a:r>
+            <a:endParaRPr lang="en-US" dirty="0"/>
+          </a:p>
+        </p:txBody>
+      </p:sp>
+      <p:sp>
+        <p:nvSpPr>
+          <p:cNvPr id="3" name="Content Placeholder 2">
+            <a:extLst>
+              <a:ext uri="{FF2B5EF4-FFF2-40B4-BE49-F238E27FC236}">
+                <a16:creationId xmlns:a16="http://schemas.microsoft.com/office/drawing/2014/main" id="{4FBD9A59-8256-4ADA-B48D-5E8A29A5C457}"/>
+              </a:ext>
+            </a:extLst>
+          </p:cNvPr>
+          <p:cNvSpPr>
+            <a:spLocks noGrp="1"/>
+          </p:cNvSpPr>
+          <p:nvPr>
+            <p:ph idx="1"/>
+          </p:nvPr>
+        </p:nvSpPr>
+        <p:spPr>
+          <a:xfrm>
+            <a:off x="1371600" y="5364480"/>
+            <a:ext cx="9601200" cy="1377696"/>
+          </a:xfrm>
+        </p:spPr>
+        <p:txBody>
+          <a:bodyPr>
+            <a:normAutofit/>
+          </a:bodyPr>
+          <a:lstStyle/>
+          <a:p>
+            <a:r>
+              <a:rPr lang="en-US" dirty="0"/>
+              <a:t>More crimes occurred outside in the street than any other single location type, though overall crimes were more likely to occur inside residences if we combine all residence types</a:t>
+            </a:r>
+          </a:p>
+        </p:txBody>
+      </p:sp>
+      <p:pic>
+        <p:nvPicPr>
+          <p:cNvPr id="5" name="Picture 4">
+            <a:extLst>
+              <a:ext uri="{FF2B5EF4-FFF2-40B4-BE49-F238E27FC236}">
+                <a16:creationId xmlns:a16="http://schemas.microsoft.com/office/drawing/2014/main" id="{0D55746E-A154-684B-89DC-9221CB5C4475}"/>
+              </a:ext>
+            </a:extLst>
+          </p:cNvPr>
+          <p:cNvPicPr>
+            <a:picLocks noChangeAspect="1"/>
+          </p:cNvPicPr>
+          <p:nvPr/>
+        </p:nvPicPr>
+        <p:blipFill>
+          <a:blip r:embed="rId2"/>
+          <a:stretch>
+            <a:fillRect/>
+          </a:stretch>
+        </p:blipFill>
+        <p:spPr>
+          <a:xfrm>
+            <a:off x="4675327" y="1428750"/>
+            <a:ext cx="2993745" cy="3607496"/>
+          </a:xfrm>
+          <a:prstGeom prst="rect">
+            <a:avLst/>
+          </a:prstGeom>
+        </p:spPr>
+      </p:pic>
+    </p:spTree>
+    <p:extLst>
+      <p:ext uri="{BB962C8B-B14F-4D97-AF65-F5344CB8AC3E}">
+        <p14:creationId xmlns:p14="http://schemas.microsoft.com/office/powerpoint/2010/main" val="4082992686"/>
+      </p:ext>
+    </p:extLst>
+  </p:cSld>
+  <p:clrMapOvr>
+    <a:masterClrMapping/>
+  </p:clrMapOvr>
+</p:sld>
+</file>
+
+<file path=ppt/slides/slide7.xml><?xml version="1.0" encoding="utf-8"?>
+<p:sld xmlns:a="http://schemas.openxmlformats.org/drawingml/2006/main" xmlns:r="http://schemas.openxmlformats.org/officeDocument/2006/relationships" xmlns:p="http://schemas.openxmlformats.org/presentationml/2006/main">
+  <p:cSld>
+    <p:spTree>
+      <p:nvGrpSpPr>
+        <p:cNvPr id="1" name=""/>
+        <p:cNvGrpSpPr/>
+        <p:nvPr/>
+      </p:nvGrpSpPr>
+      <p:grpSpPr>
+        <a:xfrm>
+          <a:off x="0" y="0"/>
+          <a:ext cx="0" cy="0"/>
+          <a:chOff x="0" y="0"/>
+          <a:chExt cx="0" cy="0"/>
+        </a:xfrm>
+      </p:grpSpPr>
+      <p:sp>
+        <p:nvSpPr>
+          <p:cNvPr id="2" name="Title 1">
+            <a:extLst>
+              <a:ext uri="{FF2B5EF4-FFF2-40B4-BE49-F238E27FC236}">
+                <a16:creationId xmlns:a16="http://schemas.microsoft.com/office/drawing/2014/main" id="{B9D8A619-BBCD-415E-A844-81BE6CBDAA83}"/>
+              </a:ext>
+            </a:extLst>
+          </p:cNvPr>
+          <p:cNvSpPr>
+            <a:spLocks noGrp="1"/>
+          </p:cNvSpPr>
+          <p:nvPr>
+            <p:ph type="title"/>
+          </p:nvPr>
+        </p:nvSpPr>
+        <p:spPr/>
+        <p:txBody>
+          <a:bodyPr/>
+          <a:lstStyle/>
+          <a:p>
+            <a:r>
+              <a:rPr lang="en-US" b="1" u="sng" dirty="0"/>
               <a:t>Los Angeles Crime: By Season</a:t>
             </a:r>
             <a:endParaRPr lang="en-US" dirty="0"/>
@@ -5423,7 +5569,7 @@
 </p:sld>
 </file>
 
-<file path=ppt/slides/slide7.xml><?xml version="1.0" encoding="utf-8"?>
+<file path=ppt/slides/slide8.xml><?xml version="1.0" encoding="utf-8"?>
 <p:sld xmlns:a="http://schemas.openxmlformats.org/drawingml/2006/main" xmlns:r="http://schemas.openxmlformats.org/officeDocument/2006/relationships" xmlns:p="http://schemas.openxmlformats.org/presentationml/2006/main">
   <p:cSld>
     <p:spTree>
@@ -5753,7 +5899,7 @@
 </p:sld>
 </file>
 
-<file path=ppt/slides/slide8.xml><?xml version="1.0" encoding="utf-8"?>
+<file path=ppt/slides/slide9.xml><?xml version="1.0" encoding="utf-8"?>
 <p:sld xmlns:a="http://schemas.openxmlformats.org/drawingml/2006/main" xmlns:r="http://schemas.openxmlformats.org/officeDocument/2006/relationships" xmlns:p="http://schemas.openxmlformats.org/presentationml/2006/main">
   <p:cSld>
     <p:spTree>
@@ -5793,7 +5939,7 @@
           <a:p>
             <a:r>
               <a:rPr lang="en-US" b="1" u="sng" dirty="0"/>
-              <a:t>New York Crime: Totals</a:t>
+              <a:t>New York Crime: Totals by Area</a:t>
             </a:r>
             <a:endParaRPr lang="en-US" dirty="0"/>
           </a:p>
@@ -5904,144 +6050,6 @@
     <p:extLst>
       <p:ext uri="{BB962C8B-B14F-4D97-AF65-F5344CB8AC3E}">
         <p14:creationId xmlns:p14="http://schemas.microsoft.com/office/powerpoint/2010/main" val="4061542806"/>
-      </p:ext>
-    </p:extLst>
-  </p:cSld>
-  <p:clrMapOvr>
-    <a:masterClrMapping/>
-  </p:clrMapOvr>
-</p:sld>
-</file>
-
-<file path=ppt/slides/slide9.xml><?xml version="1.0" encoding="utf-8"?>
-<p:sld xmlns:a="http://schemas.openxmlformats.org/drawingml/2006/main" xmlns:r="http://schemas.openxmlformats.org/officeDocument/2006/relationships" xmlns:p="http://schemas.openxmlformats.org/presentationml/2006/main">
-  <p:cSld>
-    <p:spTree>
-      <p:nvGrpSpPr>
-        <p:cNvPr id="1" name=""/>
-        <p:cNvGrpSpPr/>
-        <p:nvPr/>
-      </p:nvGrpSpPr>
-      <p:grpSpPr>
-        <a:xfrm>
-          <a:off x="0" y="0"/>
-          <a:ext cx="0" cy="0"/>
-          <a:chOff x="0" y="0"/>
-          <a:chExt cx="0" cy="0"/>
-        </a:xfrm>
-      </p:grpSpPr>
-      <p:sp>
-        <p:nvSpPr>
-          <p:cNvPr id="2" name="Title 1">
-            <a:extLst>
-              <a:ext uri="{FF2B5EF4-FFF2-40B4-BE49-F238E27FC236}">
-                <a16:creationId xmlns:a16="http://schemas.microsoft.com/office/drawing/2014/main" id="{B9D8A619-BBCD-415E-A844-81BE6CBDAA83}"/>
-              </a:ext>
-            </a:extLst>
-          </p:cNvPr>
-          <p:cNvSpPr>
-            <a:spLocks noGrp="1"/>
-          </p:cNvSpPr>
-          <p:nvPr>
-            <p:ph type="title"/>
-          </p:nvPr>
-        </p:nvSpPr>
-        <p:spPr/>
-        <p:txBody>
-          <a:bodyPr/>
-          <a:lstStyle/>
-          <a:p>
-            <a:r>
-              <a:rPr lang="en-US" b="1" u="sng" dirty="0"/>
-              <a:t>New York Crime: By Time of Day</a:t>
-            </a:r>
-            <a:endParaRPr lang="en-US" dirty="0"/>
-          </a:p>
-        </p:txBody>
-      </p:sp>
-      <p:sp>
-        <p:nvSpPr>
-          <p:cNvPr id="3" name="Content Placeholder 2">
-            <a:extLst>
-              <a:ext uri="{FF2B5EF4-FFF2-40B4-BE49-F238E27FC236}">
-                <a16:creationId xmlns:a16="http://schemas.microsoft.com/office/drawing/2014/main" id="{4FBD9A59-8256-4ADA-B48D-5E8A29A5C457}"/>
-              </a:ext>
-            </a:extLst>
-          </p:cNvPr>
-          <p:cNvSpPr>
-            <a:spLocks noGrp="1"/>
-          </p:cNvSpPr>
-          <p:nvPr>
-            <p:ph idx="1"/>
-          </p:nvPr>
-        </p:nvSpPr>
-        <p:spPr>
-          <a:xfrm>
-            <a:off x="1371600" y="5010912"/>
-            <a:ext cx="9601200" cy="1731264"/>
-          </a:xfrm>
-        </p:spPr>
-        <p:txBody>
-          <a:bodyPr>
-            <a:normAutofit/>
-          </a:bodyPr>
-          <a:lstStyle/>
-          <a:p>
-            <a:r>
-              <a:rPr lang="en-US" dirty="0"/>
-              <a:t>When evaluating crime against the time of day committed, we again did not see a major difference from borough to borough, though we were able to see some trends:</a:t>
-            </a:r>
-          </a:p>
-          <a:p>
-            <a:pPr lvl="1"/>
-            <a:r>
-              <a:rPr lang="en-US" dirty="0"/>
-              <a:t>More crime occurs during the daytime across all boroughs</a:t>
-            </a:r>
-          </a:p>
-          <a:p>
-            <a:pPr lvl="1"/>
-            <a:r>
-              <a:rPr lang="en-US" dirty="0"/>
-              <a:t>Crime is least likely to occur late at night, potentially due to less potential victims being out and about, even in the city that never sleeps</a:t>
-            </a:r>
-          </a:p>
-        </p:txBody>
-      </p:sp>
-      <p:pic>
-        <p:nvPicPr>
-          <p:cNvPr id="5" name="Picture 4">
-            <a:extLst>
-              <a:ext uri="{FF2B5EF4-FFF2-40B4-BE49-F238E27FC236}">
-                <a16:creationId xmlns:a16="http://schemas.microsoft.com/office/drawing/2014/main" id="{C543D94F-DD31-BE4E-BFB5-73E230AA9EE1}"/>
-              </a:ext>
-            </a:extLst>
-          </p:cNvPr>
-          <p:cNvPicPr>
-            <a:picLocks noChangeAspect="1"/>
-          </p:cNvPicPr>
-          <p:nvPr/>
-        </p:nvPicPr>
-        <p:blipFill>
-          <a:blip r:embed="rId2"/>
-          <a:stretch>
-            <a:fillRect/>
-          </a:stretch>
-        </p:blipFill>
-        <p:spPr>
-          <a:xfrm>
-            <a:off x="2996395" y="1428750"/>
-            <a:ext cx="6351609" cy="3499866"/>
-          </a:xfrm>
-          <a:prstGeom prst="rect">
-            <a:avLst/>
-          </a:prstGeom>
-        </p:spPr>
-      </p:pic>
-    </p:spTree>
-    <p:extLst>
-      <p:ext uri="{BB962C8B-B14F-4D97-AF65-F5344CB8AC3E}">
-        <p14:creationId xmlns:p14="http://schemas.microsoft.com/office/powerpoint/2010/main" val="85816919"/>
       </p:ext>
     </p:extLst>
   </p:cSld>
